--- a/Fall_2024/day1/E_NonTraditionalMkts.pptx
+++ b/Fall_2024/day1/E_NonTraditionalMkts.pptx
@@ -221,7 +221,7 @@
           <a:p>
             <a:fld id="{B0C0A60C-850A-4EA4-9C14-A8FE98B94505}" type="datetimeFigureOut">
               <a:rPr lang="en-US" smtClean="0"/>
-              <a:t>10/15/24</a:t>
+              <a:t>10/30/24</a:t>
             </a:fld>
             <a:endParaRPr lang="en-US"/>
           </a:p>
@@ -791,7 +791,7 @@
           <a:p>
             <a:fld id="{5738B90E-0779-4C36-915C-6F05FCD89456}" type="datetime1">
               <a:rPr lang="en-US" smtClean="0"/>
-              <a:t>10/15/24</a:t>
+              <a:t>10/30/24</a:t>
             </a:fld>
             <a:endParaRPr lang="en-US"/>
           </a:p>
@@ -998,7 +998,7 @@
           <a:p>
             <a:fld id="{D753EFC8-4232-4598-94F6-94C0EBAFC469}" type="datetime1">
               <a:rPr lang="en-US" smtClean="0"/>
-              <a:t>10/15/24</a:t>
+              <a:t>10/30/24</a:t>
             </a:fld>
             <a:endParaRPr lang="en-US"/>
           </a:p>
@@ -1119,7 +1119,7 @@
           <a:p>
             <a:fld id="{6700A58B-DD98-43D0-B791-721480A02982}" type="datetime1">
               <a:rPr lang="en-US" smtClean="0"/>
-              <a:t>10/15/24</a:t>
+              <a:t>10/30/24</a:t>
             </a:fld>
             <a:endParaRPr lang="en-US"/>
           </a:p>
@@ -1354,7 +1354,7 @@
           <a:p>
             <a:fld id="{08437B94-E2BF-44DC-ADC5-B05FC9934E9D}" type="datetime1">
               <a:rPr lang="en-US" smtClean="0"/>
-              <a:t>10/15/24</a:t>
+              <a:t>10/30/24</a:t>
             </a:fld>
             <a:endParaRPr lang="en-US"/>
           </a:p>
@@ -1871,7 +1871,7 @@
           <a:p>
             <a:fld id="{5738B90E-0779-4C36-915C-6F05FCD89456}" type="datetime1">
               <a:rPr lang="en-US" smtClean="0"/>
-              <a:t>10/15/24</a:t>
+              <a:t>10/30/24</a:t>
             </a:fld>
             <a:endParaRPr lang="en-US"/>
           </a:p>
@@ -2005,7 +2005,7 @@
           <a:p>
             <a:fld id="{6700A58B-DD98-43D0-B791-721480A02982}" type="datetime1">
               <a:rPr lang="en-US" smtClean="0"/>
-              <a:t>10/15/24</a:t>
+              <a:t>10/30/24</a:t>
             </a:fld>
             <a:endParaRPr lang="en-US"/>
           </a:p>
@@ -2221,7 +2221,7 @@
           <a:p>
             <a:fld id="{6700A58B-DD98-43D0-B791-721480A02982}" type="datetime1">
               <a:rPr lang="en-US" smtClean="0"/>
-              <a:t>10/15/24</a:t>
+              <a:t>10/30/24</a:t>
             </a:fld>
             <a:endParaRPr lang="en-US"/>
           </a:p>
@@ -2723,7 +2723,7 @@
           <a:p>
             <a:fld id="{D753EFC8-4232-4598-94F6-94C0EBAFC469}" type="datetime1">
               <a:rPr lang="en-US" smtClean="0"/>
-              <a:t>10/15/24</a:t>
+              <a:t>10/30/24</a:t>
             </a:fld>
             <a:endParaRPr lang="en-US"/>
           </a:p>
@@ -3221,7 +3221,7 @@
           <a:p>
             <a:fld id="{6700A58B-DD98-43D0-B791-721480A02982}" type="datetime1">
               <a:rPr lang="en-US" smtClean="0"/>
-              <a:t>10/15/24</a:t>
+              <a:t>10/30/24</a:t>
             </a:fld>
             <a:endParaRPr lang="en-US"/>
           </a:p>
@@ -3382,6 +3382,42 @@
                 <a:latin typeface="__Inter_e7970e"/>
               </a:rPr>
               <a:t>This distribution is often used in simulation and modeling to represent uncertain variables when the exact distribution is unknown but assumptions can be made about its shape.</a:t>
+            </a:r>
+            <a:endParaRPr lang="en-US" dirty="0"/>
+          </a:p>
+        </p:txBody>
+      </p:sp>
+      <p:sp>
+        <p:nvSpPr>
+          <p:cNvPr id="3" name="TextBox 2">
+            <a:extLst>
+              <a:ext uri="{FF2B5EF4-FFF2-40B4-BE49-F238E27FC236}">
+                <a16:creationId xmlns:a16="http://schemas.microsoft.com/office/drawing/2014/main" id="{AD1B7B05-2AF9-32E5-3626-AD44B7C2834E}"/>
+              </a:ext>
+            </a:extLst>
+          </p:cNvPr>
+          <p:cNvSpPr txBox="1"/>
+          <p:nvPr/>
+        </p:nvSpPr>
+        <p:spPr>
+          <a:xfrm>
+            <a:off x="6616557" y="1233920"/>
+            <a:ext cx="2445250" cy="369332"/>
+          </a:xfrm>
+          <a:prstGeom prst="rect">
+            <a:avLst/>
+          </a:prstGeom>
+          <a:noFill/>
+        </p:spPr>
+        <p:txBody>
+          <a:bodyPr wrap="square" rtlCol="0">
+            <a:spAutoFit/>
+          </a:bodyPr>
+          <a:lstStyle/>
+          <a:p>
+            <a:r>
+              <a:rPr lang="en-US" dirty="0" err="1"/>
+              <a:t>zz_triangle_example.R</a:t>
             </a:r>
             <a:endParaRPr lang="en-US" dirty="0"/>
           </a:p>
@@ -3440,7 +3476,7 @@
           <a:p>
             <a:fld id="{6700A58B-DD98-43D0-B791-721480A02982}" type="datetime1">
               <a:rPr lang="en-US" smtClean="0"/>
-              <a:t>10/15/24</a:t>
+              <a:t>10/30/24</a:t>
             </a:fld>
             <a:endParaRPr lang="en-US"/>
           </a:p>
@@ -3703,7 +3739,7 @@
           <a:p>
             <a:fld id="{6700A58B-DD98-43D0-B791-721480A02982}" type="datetime1">
               <a:rPr lang="en-US" smtClean="0"/>
-              <a:t>10/15/24</a:t>
+              <a:t>10/30/24</a:t>
             </a:fld>
             <a:endParaRPr lang="en-US"/>
           </a:p>
@@ -4189,7 +4225,7 @@
           <a:p>
             <a:fld id="{6700A58B-DD98-43D0-B791-721480A02982}" type="datetime1">
               <a:rPr lang="en-US" smtClean="0"/>
-              <a:t>10/15/24</a:t>
+              <a:t>10/30/24</a:t>
             </a:fld>
             <a:endParaRPr lang="en-US"/>
           </a:p>
@@ -4344,7 +4380,7 @@
           <a:p>
             <a:fld id="{6700A58B-DD98-43D0-B791-721480A02982}" type="datetime1">
               <a:rPr lang="en-US" smtClean="0"/>
-              <a:t>10/15/24</a:t>
+              <a:t>10/30/24</a:t>
             </a:fld>
             <a:endParaRPr lang="en-US"/>
           </a:p>
@@ -4565,7 +4601,7 @@
           <a:p>
             <a:fld id="{6700A58B-DD98-43D0-B791-721480A02982}" type="datetime1">
               <a:rPr lang="en-US" smtClean="0"/>
-              <a:t>10/15/24</a:t>
+              <a:t>10/30/24</a:t>
             </a:fld>
             <a:endParaRPr lang="en-US"/>
           </a:p>
@@ -4770,7 +4806,7 @@
           <a:p>
             <a:fld id="{6700A58B-DD98-43D0-B791-721480A02982}" type="datetime1">
               <a:rPr lang="en-US" smtClean="0"/>
-              <a:t>10/15/24</a:t>
+              <a:t>10/30/24</a:t>
             </a:fld>
             <a:endParaRPr lang="en-US"/>
           </a:p>
@@ -5076,7 +5112,7 @@
           <a:p>
             <a:fld id="{6700A58B-DD98-43D0-B791-721480A02982}" type="datetime1">
               <a:rPr lang="en-US" smtClean="0"/>
-              <a:t>10/15/24</a:t>
+              <a:t>10/30/24</a:t>
             </a:fld>
             <a:endParaRPr lang="en-US"/>
           </a:p>
@@ -5435,7 +5471,7 @@
           <a:p>
             <a:fld id="{6700A58B-DD98-43D0-B791-721480A02982}" type="datetime1">
               <a:rPr lang="en-US" smtClean="0"/>
-              <a:t>10/15/24</a:t>
+              <a:t>10/30/24</a:t>
             </a:fld>
             <a:endParaRPr lang="en-US"/>
           </a:p>
@@ -5814,7 +5850,7 @@
           <a:p>
             <a:fld id="{6700A58B-DD98-43D0-B791-721480A02982}" type="datetime1">
               <a:rPr lang="en-US" smtClean="0"/>
-              <a:t>10/15/24</a:t>
+              <a:t>10/30/24</a:t>
             </a:fld>
             <a:endParaRPr lang="en-US"/>
           </a:p>

--- a/Fall_2024/day1/E_NonTraditionalMkts.pptx
+++ b/Fall_2024/day1/E_NonTraditionalMkts.pptx
@@ -5,7 +5,7 @@
     <p:sldMasterId id="2147483660" r:id="rId1"/>
   </p:sldMasterIdLst>
   <p:notesMasterIdLst>
-    <p:notesMasterId r:id="rId16"/>
+    <p:notesMasterId r:id="rId17"/>
   </p:notesMasterIdLst>
   <p:sldIdLst>
     <p:sldId id="297" r:id="rId2"/>
@@ -22,6 +22,7 @@
     <p:sldId id="518" r:id="rId13"/>
     <p:sldId id="445" r:id="rId14"/>
     <p:sldId id="519" r:id="rId15"/>
+    <p:sldId id="520" r:id="rId16"/>
   </p:sldIdLst>
   <p:sldSz cx="9144000" cy="6858000" type="screen4x3"/>
   <p:notesSz cx="6858000" cy="9144000"/>
@@ -221,7 +222,7 @@
           <a:p>
             <a:fld id="{B0C0A60C-850A-4EA4-9C14-A8FE98B94505}" type="datetimeFigureOut">
               <a:rPr lang="en-US" smtClean="0"/>
-              <a:t>10/30/24</a:t>
+              <a:t>11/5/24</a:t>
             </a:fld>
             <a:endParaRPr lang="en-US"/>
           </a:p>
@@ -791,7 +792,7 @@
           <a:p>
             <a:fld id="{5738B90E-0779-4C36-915C-6F05FCD89456}" type="datetime1">
               <a:rPr lang="en-US" smtClean="0"/>
-              <a:t>10/30/24</a:t>
+              <a:t>11/5/24</a:t>
             </a:fld>
             <a:endParaRPr lang="en-US"/>
           </a:p>
@@ -998,7 +999,7 @@
           <a:p>
             <a:fld id="{D753EFC8-4232-4598-94F6-94C0EBAFC469}" type="datetime1">
               <a:rPr lang="en-US" smtClean="0"/>
-              <a:t>10/30/24</a:t>
+              <a:t>11/5/24</a:t>
             </a:fld>
             <a:endParaRPr lang="en-US"/>
           </a:p>
@@ -1119,7 +1120,7 @@
           <a:p>
             <a:fld id="{6700A58B-DD98-43D0-B791-721480A02982}" type="datetime1">
               <a:rPr lang="en-US" smtClean="0"/>
-              <a:t>10/30/24</a:t>
+              <a:t>11/5/24</a:t>
             </a:fld>
             <a:endParaRPr lang="en-US"/>
           </a:p>
@@ -1354,7 +1355,7 @@
           <a:p>
             <a:fld id="{08437B94-E2BF-44DC-ADC5-B05FC9934E9D}" type="datetime1">
               <a:rPr lang="en-US" smtClean="0"/>
-              <a:t>10/30/24</a:t>
+              <a:t>11/5/24</a:t>
             </a:fld>
             <a:endParaRPr lang="en-US"/>
           </a:p>
@@ -1871,7 +1872,7 @@
           <a:p>
             <a:fld id="{5738B90E-0779-4C36-915C-6F05FCD89456}" type="datetime1">
               <a:rPr lang="en-US" smtClean="0"/>
-              <a:t>10/30/24</a:t>
+              <a:t>11/5/24</a:t>
             </a:fld>
             <a:endParaRPr lang="en-US"/>
           </a:p>
@@ -2005,7 +2006,7 @@
           <a:p>
             <a:fld id="{6700A58B-DD98-43D0-B791-721480A02982}" type="datetime1">
               <a:rPr lang="en-US" smtClean="0"/>
-              <a:t>10/30/24</a:t>
+              <a:t>11/5/24</a:t>
             </a:fld>
             <a:endParaRPr lang="en-US"/>
           </a:p>
@@ -2221,7 +2222,7 @@
           <a:p>
             <a:fld id="{6700A58B-DD98-43D0-B791-721480A02982}" type="datetime1">
               <a:rPr lang="en-US" smtClean="0"/>
-              <a:t>10/30/24</a:t>
+              <a:t>11/5/24</a:t>
             </a:fld>
             <a:endParaRPr lang="en-US"/>
           </a:p>
@@ -2723,7 +2724,7 @@
           <a:p>
             <a:fld id="{D753EFC8-4232-4598-94F6-94C0EBAFC469}" type="datetime1">
               <a:rPr lang="en-US" smtClean="0"/>
-              <a:t>10/30/24</a:t>
+              <a:t>11/5/24</a:t>
             </a:fld>
             <a:endParaRPr lang="en-US"/>
           </a:p>
@@ -3221,7 +3222,7 @@
           <a:p>
             <a:fld id="{6700A58B-DD98-43D0-B791-721480A02982}" type="datetime1">
               <a:rPr lang="en-US" smtClean="0"/>
-              <a:t>10/30/24</a:t>
+              <a:t>11/5/24</a:t>
             </a:fld>
             <a:endParaRPr lang="en-US"/>
           </a:p>
@@ -3476,7 +3477,7 @@
           <a:p>
             <a:fld id="{6700A58B-DD98-43D0-B791-721480A02982}" type="datetime1">
               <a:rPr lang="en-US" smtClean="0"/>
-              <a:t>10/30/24</a:t>
+              <a:t>11/5/24</a:t>
             </a:fld>
             <a:endParaRPr lang="en-US"/>
           </a:p>
@@ -3681,6 +3682,214 @@
 </p:sld>
 </file>
 
+<file path=ppt/slides/slide15.xml><?xml version="1.0" encoding="utf-8"?>
+<p:sld xmlns:a="http://schemas.openxmlformats.org/drawingml/2006/main" xmlns:r="http://schemas.openxmlformats.org/officeDocument/2006/relationships" xmlns:p="http://schemas.openxmlformats.org/presentationml/2006/main" show="0">
+  <p:cSld>
+    <p:spTree>
+      <p:nvGrpSpPr>
+        <p:cNvPr id="1" name=""/>
+        <p:cNvGrpSpPr/>
+        <p:nvPr/>
+      </p:nvGrpSpPr>
+      <p:grpSpPr>
+        <a:xfrm>
+          <a:off x="0" y="0"/>
+          <a:ext cx="0" cy="0"/>
+          <a:chOff x="0" y="0"/>
+          <a:chExt cx="0" cy="0"/>
+        </a:xfrm>
+      </p:grpSpPr>
+      <p:sp>
+        <p:nvSpPr>
+          <p:cNvPr id="2" name="Date Placeholder 1">
+            <a:extLst>
+              <a:ext uri="{FF2B5EF4-FFF2-40B4-BE49-F238E27FC236}">
+                <a16:creationId xmlns:a16="http://schemas.microsoft.com/office/drawing/2014/main" id="{11FD67D2-D35D-791D-4255-63D10DD6C4C9}"/>
+              </a:ext>
+            </a:extLst>
+          </p:cNvPr>
+          <p:cNvSpPr>
+            <a:spLocks noGrp="1"/>
+          </p:cNvSpPr>
+          <p:nvPr>
+            <p:ph type="dt" sz="half" idx="10"/>
+          </p:nvPr>
+        </p:nvSpPr>
+        <p:spPr/>
+        <p:txBody>
+          <a:bodyPr/>
+          <a:lstStyle/>
+          <a:p>
+            <a:fld id="{6700A58B-DD98-43D0-B791-721480A02982}" type="datetime1">
+              <a:rPr lang="en-US" smtClean="0"/>
+              <a:t>11/5/24</a:t>
+            </a:fld>
+            <a:endParaRPr lang="en-US"/>
+          </a:p>
+        </p:txBody>
+      </p:sp>
+      <p:sp>
+        <p:nvSpPr>
+          <p:cNvPr id="3" name="Title 2">
+            <a:extLst>
+              <a:ext uri="{FF2B5EF4-FFF2-40B4-BE49-F238E27FC236}">
+                <a16:creationId xmlns:a16="http://schemas.microsoft.com/office/drawing/2014/main" id="{3F755224-FE62-4D0E-F5D7-4705DF043FF0}"/>
+              </a:ext>
+            </a:extLst>
+          </p:cNvPr>
+          <p:cNvSpPr>
+            <a:spLocks noGrp="1"/>
+          </p:cNvSpPr>
+          <p:nvPr>
+            <p:ph type="title"/>
+          </p:nvPr>
+        </p:nvSpPr>
+        <p:spPr/>
+        <p:txBody>
+          <a:bodyPr/>
+          <a:lstStyle/>
+          <a:p>
+            <a:r>
+              <a:rPr lang="en-US" dirty="0">
+                <a:hlinkClick r:id="rId2"/>
+              </a:rPr>
+              <a:t>https://mtg.dawnglare.com/?p=sets</a:t>
+            </a:r>
+            <a:endParaRPr lang="en-US" dirty="0"/>
+          </a:p>
+        </p:txBody>
+      </p:sp>
+      <p:sp>
+        <p:nvSpPr>
+          <p:cNvPr id="4" name="Slide Number Placeholder 3">
+            <a:extLst>
+              <a:ext uri="{FF2B5EF4-FFF2-40B4-BE49-F238E27FC236}">
+                <a16:creationId xmlns:a16="http://schemas.microsoft.com/office/drawing/2014/main" id="{8DA20312-34C4-6864-3B9C-8BB33CC88578}"/>
+              </a:ext>
+            </a:extLst>
+          </p:cNvPr>
+          <p:cNvSpPr>
+            <a:spLocks noGrp="1"/>
+          </p:cNvSpPr>
+          <p:nvPr>
+            <p:ph type="sldNum" sz="quarter" idx="12"/>
+          </p:nvPr>
+        </p:nvSpPr>
+        <p:spPr/>
+        <p:txBody>
+          <a:bodyPr/>
+          <a:lstStyle/>
+          <a:p>
+            <a:fld id="{37290FF7-652B-4475-AEAB-8B1A5D23AE09}" type="slidenum">
+              <a:rPr lang="en-US" smtClean="0"/>
+              <a:t>15</a:t>
+            </a:fld>
+            <a:endParaRPr lang="en-US"/>
+          </a:p>
+        </p:txBody>
+      </p:sp>
+      <p:sp>
+        <p:nvSpPr>
+          <p:cNvPr id="5" name="Footer Placeholder 4">
+            <a:extLst>
+              <a:ext uri="{FF2B5EF4-FFF2-40B4-BE49-F238E27FC236}">
+                <a16:creationId xmlns:a16="http://schemas.microsoft.com/office/drawing/2014/main" id="{84273FAE-6C44-2EAF-4014-A7CD1EE18097}"/>
+              </a:ext>
+            </a:extLst>
+          </p:cNvPr>
+          <p:cNvSpPr>
+            <a:spLocks noGrp="1"/>
+          </p:cNvSpPr>
+          <p:nvPr>
+            <p:ph type="ftr" sz="quarter" idx="3"/>
+          </p:nvPr>
+        </p:nvSpPr>
+        <p:spPr/>
+        <p:txBody>
+          <a:bodyPr/>
+          <a:lstStyle/>
+          <a:p>
+            <a:r>
+              <a:rPr lang="en-US"/>
+              <a:t>Kwartler </a:t>
+            </a:r>
+            <a:endParaRPr lang="en-US" dirty="0"/>
+          </a:p>
+        </p:txBody>
+      </p:sp>
+      <p:pic>
+        <p:nvPicPr>
+          <p:cNvPr id="6" name="Picture 5">
+            <a:extLst>
+              <a:ext uri="{FF2B5EF4-FFF2-40B4-BE49-F238E27FC236}">
+                <a16:creationId xmlns:a16="http://schemas.microsoft.com/office/drawing/2014/main" id="{C759E72E-3E09-BA96-1ECA-925C995F3D6E}"/>
+              </a:ext>
+            </a:extLst>
+          </p:cNvPr>
+          <p:cNvPicPr>
+            <a:picLocks noChangeAspect="1"/>
+          </p:cNvPicPr>
+          <p:nvPr/>
+        </p:nvPicPr>
+        <p:blipFill>
+          <a:blip r:embed="rId3"/>
+          <a:stretch>
+            <a:fillRect/>
+          </a:stretch>
+        </p:blipFill>
+        <p:spPr>
+          <a:xfrm>
+            <a:off x="342068" y="1814234"/>
+            <a:ext cx="4229932" cy="3065991"/>
+          </a:xfrm>
+          <a:prstGeom prst="rect">
+            <a:avLst/>
+          </a:prstGeom>
+        </p:spPr>
+      </p:pic>
+      <p:pic>
+        <p:nvPicPr>
+          <p:cNvPr id="7" name="Picture 6">
+            <a:extLst>
+              <a:ext uri="{FF2B5EF4-FFF2-40B4-BE49-F238E27FC236}">
+                <a16:creationId xmlns:a16="http://schemas.microsoft.com/office/drawing/2014/main" id="{070112D9-C034-9A14-324F-7A656AA45874}"/>
+              </a:ext>
+            </a:extLst>
+          </p:cNvPr>
+          <p:cNvPicPr>
+            <a:picLocks noChangeAspect="1"/>
+          </p:cNvPicPr>
+          <p:nvPr/>
+        </p:nvPicPr>
+        <p:blipFill>
+          <a:blip r:embed="rId4"/>
+          <a:stretch>
+            <a:fillRect/>
+          </a:stretch>
+        </p:blipFill>
+        <p:spPr>
+          <a:xfrm>
+            <a:off x="3606780" y="3290362"/>
+            <a:ext cx="5195152" cy="3065991"/>
+          </a:xfrm>
+          <a:prstGeom prst="rect">
+            <a:avLst/>
+          </a:prstGeom>
+        </p:spPr>
+      </p:pic>
+    </p:spTree>
+    <p:extLst>
+      <p:ext uri="{BB962C8B-B14F-4D97-AF65-F5344CB8AC3E}">
+        <p14:creationId xmlns:p14="http://schemas.microsoft.com/office/powerpoint/2010/main" val="2109631869"/>
+      </p:ext>
+    </p:extLst>
+  </p:cSld>
+  <p:clrMapOvr>
+    <a:masterClrMapping/>
+  </p:clrMapOvr>
+</p:sld>
+</file>
+
 <file path=ppt/slides/slide2.xml><?xml version="1.0" encoding="utf-8"?>
 <p:sld xmlns:a="http://schemas.openxmlformats.org/drawingml/2006/main" xmlns:r="http://schemas.openxmlformats.org/officeDocument/2006/relationships" xmlns:p="http://schemas.openxmlformats.org/presentationml/2006/main">
   <p:cSld>
@@ -3739,7 +3948,7 @@
           <a:p>
             <a:fld id="{6700A58B-DD98-43D0-B791-721480A02982}" type="datetime1">
               <a:rPr lang="en-US" smtClean="0"/>
-              <a:t>10/30/24</a:t>
+              <a:t>11/5/24</a:t>
             </a:fld>
             <a:endParaRPr lang="en-US"/>
           </a:p>
@@ -4225,7 +4434,7 @@
           <a:p>
             <a:fld id="{6700A58B-DD98-43D0-B791-721480A02982}" type="datetime1">
               <a:rPr lang="en-US" smtClean="0"/>
-              <a:t>10/30/24</a:t>
+              <a:t>11/5/24</a:t>
             </a:fld>
             <a:endParaRPr lang="en-US"/>
           </a:p>
@@ -4380,7 +4589,7 @@
           <a:p>
             <a:fld id="{6700A58B-DD98-43D0-B791-721480A02982}" type="datetime1">
               <a:rPr lang="en-US" smtClean="0"/>
-              <a:t>10/30/24</a:t>
+              <a:t>11/5/24</a:t>
             </a:fld>
             <a:endParaRPr lang="en-US"/>
           </a:p>
@@ -4601,7 +4810,7 @@
           <a:p>
             <a:fld id="{6700A58B-DD98-43D0-B791-721480A02982}" type="datetime1">
               <a:rPr lang="en-US" smtClean="0"/>
-              <a:t>10/30/24</a:t>
+              <a:t>11/5/24</a:t>
             </a:fld>
             <a:endParaRPr lang="en-US"/>
           </a:p>
@@ -4806,7 +5015,7 @@
           <a:p>
             <a:fld id="{6700A58B-DD98-43D0-B791-721480A02982}" type="datetime1">
               <a:rPr lang="en-US" smtClean="0"/>
-              <a:t>10/30/24</a:t>
+              <a:t>11/5/24</a:t>
             </a:fld>
             <a:endParaRPr lang="en-US"/>
           </a:p>
@@ -5112,7 +5321,7 @@
           <a:p>
             <a:fld id="{6700A58B-DD98-43D0-B791-721480A02982}" type="datetime1">
               <a:rPr lang="en-US" smtClean="0"/>
-              <a:t>10/30/24</a:t>
+              <a:t>11/5/24</a:t>
             </a:fld>
             <a:endParaRPr lang="en-US"/>
           </a:p>
@@ -5471,7 +5680,7 @@
           <a:p>
             <a:fld id="{6700A58B-DD98-43D0-B791-721480A02982}" type="datetime1">
               <a:rPr lang="en-US" smtClean="0"/>
-              <a:t>10/30/24</a:t>
+              <a:t>11/5/24</a:t>
             </a:fld>
             <a:endParaRPr lang="en-US"/>
           </a:p>
@@ -5850,7 +6059,7 @@
           <a:p>
             <a:fld id="{6700A58B-DD98-43D0-B791-721480A02982}" type="datetime1">
               <a:rPr lang="en-US" smtClean="0"/>
-              <a:t>10/30/24</a:t>
+              <a:t>11/5/24</a:t>
             </a:fld>
             <a:endParaRPr lang="en-US"/>
           </a:p>

--- a/Fall_2024/day1/E_NonTraditionalMkts.pptx
+++ b/Fall_2024/day1/E_NonTraditionalMkts.pptx
@@ -3511,7 +3511,7 @@
           <a:p>
             <a:r>
               <a:rPr lang="en-US" dirty="0"/>
-              <a:t>$8000 worth of Magic Cards</a:t>
+              <a:t>$8500 worth of Magic Cards</a:t>
             </a:r>
           </a:p>
         </p:txBody>
